--- a/team ppt/量化team20170516.pptx
+++ b/team ppt/量化team20170516.pptx
@@ -121,7 +121,7 @@
   </p:defaultTextStyle>
   <p:extLst>
     <p:ext uri="{EFAFB233-063F-42B5-8137-9DF3F51BA10A}">
-      <p15:sldGuideLst xmlns:p15="http://schemas.microsoft.com/office/powerpoint/2012/main">
+      <p15:sldGuideLst xmlns:p15="http://schemas.microsoft.com/office/powerpoint/2012/main" xmlns="">
         <p15:guide id="1" orient="horz" pos="2160">
           <p15:clr>
             <a:srgbClr val="A4A3A4"/>
@@ -317,7 +317,7 @@
           <a:p>
             <a:fld id="{9BDF20EB-759E-4182-AE9E-FFBBB4A5BD51}" type="datetimeFigureOut">
               <a:rPr lang="zh-CN" altLang="en-US" smtClean="0"/>
-              <a:t>2017/5/15</a:t>
+              <a:t>2017/5/23</a:t>
             </a:fld>
             <a:endParaRPr lang="zh-CN" altLang="en-US"/>
           </a:p>
@@ -485,7 +485,7 @@
           <a:p>
             <a:fld id="{9BDF20EB-759E-4182-AE9E-FFBBB4A5BD51}" type="datetimeFigureOut">
               <a:rPr lang="zh-CN" altLang="en-US" smtClean="0"/>
-              <a:t>2017/5/15</a:t>
+              <a:t>2017/5/23</a:t>
             </a:fld>
             <a:endParaRPr lang="zh-CN" altLang="en-US"/>
           </a:p>
@@ -663,7 +663,7 @@
           <a:p>
             <a:fld id="{9BDF20EB-759E-4182-AE9E-FFBBB4A5BD51}" type="datetimeFigureOut">
               <a:rPr lang="zh-CN" altLang="en-US" smtClean="0"/>
-              <a:t>2017/5/15</a:t>
+              <a:t>2017/5/23</a:t>
             </a:fld>
             <a:endParaRPr lang="zh-CN" altLang="en-US"/>
           </a:p>
@@ -831,7 +831,7 @@
           <a:p>
             <a:fld id="{9BDF20EB-759E-4182-AE9E-FFBBB4A5BD51}" type="datetimeFigureOut">
               <a:rPr lang="zh-CN" altLang="en-US" smtClean="0"/>
-              <a:t>2017/5/15</a:t>
+              <a:t>2017/5/23</a:t>
             </a:fld>
             <a:endParaRPr lang="zh-CN" altLang="en-US"/>
           </a:p>
@@ -1076,7 +1076,7 @@
           <a:p>
             <a:fld id="{9BDF20EB-759E-4182-AE9E-FFBBB4A5BD51}" type="datetimeFigureOut">
               <a:rPr lang="zh-CN" altLang="en-US" smtClean="0"/>
-              <a:t>2017/5/15</a:t>
+              <a:t>2017/5/23</a:t>
             </a:fld>
             <a:endParaRPr lang="zh-CN" altLang="en-US"/>
           </a:p>
@@ -1361,7 +1361,7 @@
           <a:p>
             <a:fld id="{9BDF20EB-759E-4182-AE9E-FFBBB4A5BD51}" type="datetimeFigureOut">
               <a:rPr lang="zh-CN" altLang="en-US" smtClean="0"/>
-              <a:t>2017/5/15</a:t>
+              <a:t>2017/5/23</a:t>
             </a:fld>
             <a:endParaRPr lang="zh-CN" altLang="en-US"/>
           </a:p>
@@ -1780,7 +1780,7 @@
           <a:p>
             <a:fld id="{9BDF20EB-759E-4182-AE9E-FFBBB4A5BD51}" type="datetimeFigureOut">
               <a:rPr lang="zh-CN" altLang="en-US" smtClean="0"/>
-              <a:t>2017/5/15</a:t>
+              <a:t>2017/5/23</a:t>
             </a:fld>
             <a:endParaRPr lang="zh-CN" altLang="en-US"/>
           </a:p>
@@ -1897,7 +1897,7 @@
           <a:p>
             <a:fld id="{9BDF20EB-759E-4182-AE9E-FFBBB4A5BD51}" type="datetimeFigureOut">
               <a:rPr lang="zh-CN" altLang="en-US" smtClean="0"/>
-              <a:t>2017/5/15</a:t>
+              <a:t>2017/5/23</a:t>
             </a:fld>
             <a:endParaRPr lang="zh-CN" altLang="en-US"/>
           </a:p>
@@ -1992,7 +1992,7 @@
           <a:p>
             <a:fld id="{9BDF20EB-759E-4182-AE9E-FFBBB4A5BD51}" type="datetimeFigureOut">
               <a:rPr lang="zh-CN" altLang="en-US" smtClean="0"/>
-              <a:t>2017/5/15</a:t>
+              <a:t>2017/5/23</a:t>
             </a:fld>
             <a:endParaRPr lang="zh-CN" altLang="en-US"/>
           </a:p>
@@ -2267,7 +2267,7 @@
           <a:p>
             <a:fld id="{9BDF20EB-759E-4182-AE9E-FFBBB4A5BD51}" type="datetimeFigureOut">
               <a:rPr lang="zh-CN" altLang="en-US" smtClean="0"/>
-              <a:t>2017/5/15</a:t>
+              <a:t>2017/5/23</a:t>
             </a:fld>
             <a:endParaRPr lang="zh-CN" altLang="en-US"/>
           </a:p>
@@ -2519,7 +2519,7 @@
           <a:p>
             <a:fld id="{9BDF20EB-759E-4182-AE9E-FFBBB4A5BD51}" type="datetimeFigureOut">
               <a:rPr lang="zh-CN" altLang="en-US" smtClean="0"/>
-              <a:t>2017/5/15</a:t>
+              <a:t>2017/5/23</a:t>
             </a:fld>
             <a:endParaRPr lang="zh-CN" altLang="en-US"/>
           </a:p>
@@ -2730,7 +2730,7 @@
           <a:p>
             <a:fld id="{9BDF20EB-759E-4182-AE9E-FFBBB4A5BD51}" type="datetimeFigureOut">
               <a:rPr lang="zh-CN" altLang="en-US" smtClean="0"/>
-              <a:t>2017/5/15</a:t>
+              <a:t>2017/5/23</a:t>
             </a:fld>
             <a:endParaRPr lang="zh-CN" altLang="en-US"/>
           </a:p>
@@ -5037,7 +5037,7 @@
         <p:spPr>
           <a:xfrm>
             <a:off x="611560" y="4293096"/>
-            <a:ext cx="7192995" cy="369332"/>
+            <a:ext cx="7423827" cy="369332"/>
           </a:xfrm>
           <a:prstGeom prst="rect">
             <a:avLst/>
@@ -5060,7 +5060,23 @@
             </a:r>
             <a:r>
               <a:rPr lang="zh-CN" altLang="en-US" dirty="0"/>
-              <a:t>年不同时段，策略中因子系数的变化。算法为随机森林。</a:t>
+              <a:t>年不同时段</a:t>
+            </a:r>
+            <a:r>
+              <a:rPr lang="zh-CN" altLang="en-US" dirty="0" smtClean="0"/>
+              <a:t>，</a:t>
+            </a:r>
+            <a:r>
+              <a:rPr lang="zh-CN" altLang="en-US" dirty="0" smtClean="0"/>
+              <a:t>特征对分类的贡献度图标</a:t>
+            </a:r>
+            <a:r>
+              <a:rPr lang="zh-CN" altLang="en-US" dirty="0" smtClean="0"/>
+              <a:t>。</a:t>
+            </a:r>
+            <a:r>
+              <a:rPr lang="zh-CN" altLang="en-US" dirty="0"/>
+              <a:t>算法为随机森林。</a:t>
             </a:r>
           </a:p>
         </p:txBody>
